--- a/_site/figures.pptx
+++ b/_site/figures.pptx
@@ -7,6 +7,7 @@
   <p:sldIdLst>
     <p:sldId id="256" r:id="rId2"/>
     <p:sldId id="257" r:id="rId3"/>
+    <p:sldId id="258" r:id="rId4"/>
   </p:sldIdLst>
   <p:sldSz cx="12192000" cy="6858000"/>
   <p:notesSz cx="6858000" cy="9144000"/>
@@ -105,6 +106,11 @@
       </a:defRPr>
     </a:lvl9pPr>
   </p:defaultTextStyle>
+  <p:extLst>
+    <p:ext uri="{EFAFB233-063F-42B5-8137-9DF3F51BA10A}">
+      <p15:sldGuideLst xmlns:p15="http://schemas.microsoft.com/office/powerpoint/2012/main"/>
+    </p:ext>
+  </p:extLst>
 </p:presentation>
 </file>
 
@@ -3424,7 +3430,7 @@
             <a:graphicData uri="http://schemas.openxmlformats.org/presentationml/2006/ole">
               <mc:AlternateContent xmlns:mc="http://schemas.openxmlformats.org/markup-compatibility/2006">
                 <mc:Choice xmlns:v="urn:schemas-microsoft-com:vml" Requires="v">
-                  <p:oleObj spid="_x0000_s1028" name="Bitmap Image" r:id="rId3" imgW="7620120" imgH="1428840" progId="PBrush">
+                  <p:oleObj spid="_x0000_s1030" name="Bitmap Image" r:id="rId3" imgW="7620120" imgH="1428840" progId="PBrush">
                     <p:embed/>
                   </p:oleObj>
                 </mc:Choice>
@@ -3549,67 +3555,366 @@
           <a:chExt cx="0" cy="0"/>
         </a:xfrm>
       </p:grpSpPr>
-      <p:sp>
-        <p:nvSpPr>
-          <p:cNvPr id="2" name="Titre 1">
-            <a:extLst>
-              <a:ext uri="{FF2B5EF4-FFF2-40B4-BE49-F238E27FC236}">
-                <a16:creationId xmlns:a16="http://schemas.microsoft.com/office/drawing/2014/main" id="{23566134-2CA5-423A-A79C-08E523D87435}"/>
-              </a:ext>
-            </a:extLst>
-          </p:cNvPr>
-          <p:cNvSpPr>
-            <a:spLocks noGrp="1"/>
-          </p:cNvSpPr>
-          <p:nvPr>
-            <p:ph type="title"/>
-          </p:nvPr>
-        </p:nvSpPr>
-        <p:spPr/>
-        <p:txBody>
-          <a:bodyPr/>
-          <a:lstStyle/>
-          <a:p>
-            <a:endParaRPr lang="fr-FR"/>
-          </a:p>
-        </p:txBody>
-      </p:sp>
-      <p:pic>
-        <p:nvPicPr>
-          <p:cNvPr id="7" name="Espace réservé du contenu 6">
-            <a:extLst>
-              <a:ext uri="{FF2B5EF4-FFF2-40B4-BE49-F238E27FC236}">
-                <a16:creationId xmlns:a16="http://schemas.microsoft.com/office/drawing/2014/main" id="{868F664B-3CE2-4250-840B-8EAF9AA0A52B}"/>
-              </a:ext>
-            </a:extLst>
-          </p:cNvPr>
-          <p:cNvPicPr>
-            <a:picLocks noGrp="1" noChangeAspect="1"/>
-          </p:cNvPicPr>
-          <p:nvPr>
-            <p:ph idx="1"/>
-          </p:nvPr>
-        </p:nvPicPr>
-        <p:blipFill>
-          <a:blip r:embed="rId2"/>
-          <a:stretch>
-            <a:fillRect/>
-          </a:stretch>
-        </p:blipFill>
-        <p:spPr>
+      <p:grpSp>
+        <p:nvGrpSpPr>
+          <p:cNvPr id="11" name="Groupe 10">
+            <a:extLst>
+              <a:ext uri="{FF2B5EF4-FFF2-40B4-BE49-F238E27FC236}">
+                <a16:creationId xmlns:a16="http://schemas.microsoft.com/office/drawing/2014/main" id="{0ADBF31A-97C0-496C-B879-89D0891610CB}"/>
+              </a:ext>
+            </a:extLst>
+          </p:cNvPr>
+          <p:cNvGrpSpPr/>
+          <p:nvPr/>
+        </p:nvGrpSpPr>
+        <p:grpSpPr>
           <a:xfrm>
-            <a:off x="3395238" y="3130048"/>
-            <a:ext cx="5401524" cy="1798476"/>
+            <a:off x="65832" y="1687372"/>
+            <a:ext cx="12060333" cy="2010056"/>
+            <a:chOff x="65832" y="1687372"/>
+            <a:chExt cx="12060333" cy="2010056"/>
           </a:xfrm>
-          <a:prstGeom prst="rect">
-            <a:avLst/>
-          </a:prstGeom>
-        </p:spPr>
-      </p:pic>
+        </p:grpSpPr>
+        <p:pic>
+          <p:nvPicPr>
+            <p:cNvPr id="6" name="Image 5">
+              <a:extLst>
+                <a:ext uri="{FF2B5EF4-FFF2-40B4-BE49-F238E27FC236}">
+                  <a16:creationId xmlns:a16="http://schemas.microsoft.com/office/drawing/2014/main" id="{5B90902B-10E6-468A-8CBD-FD3891354494}"/>
+                </a:ext>
+              </a:extLst>
+            </p:cNvPr>
+            <p:cNvPicPr>
+              <a:picLocks noChangeAspect="1"/>
+            </p:cNvPicPr>
+            <p:nvPr/>
+          </p:nvPicPr>
+          <p:blipFill>
+            <a:blip r:embed="rId2">
+              <a:extLst>
+                <a:ext uri="{28A0092B-C50C-407E-A947-70E740481C1C}">
+                  <a14:useLocalDpi xmlns:a14="http://schemas.microsoft.com/office/drawing/2010/main" val="0"/>
+                </a:ext>
+              </a:extLst>
+            </a:blip>
+            <a:stretch>
+              <a:fillRect/>
+            </a:stretch>
+          </p:blipFill>
+          <p:spPr>
+            <a:xfrm>
+              <a:off x="65832" y="1687372"/>
+              <a:ext cx="12060333" cy="2010056"/>
+            </a:xfrm>
+            <a:prstGeom prst="rect">
+              <a:avLst/>
+            </a:prstGeom>
+          </p:spPr>
+        </p:pic>
+        <p:sp>
+          <p:nvSpPr>
+            <p:cNvPr id="10" name="Rectangle 9">
+              <a:extLst>
+                <a:ext uri="{FF2B5EF4-FFF2-40B4-BE49-F238E27FC236}">
+                  <a16:creationId xmlns:a16="http://schemas.microsoft.com/office/drawing/2014/main" id="{C97BAE80-0DA6-4D73-AC77-871C9A7A15BF}"/>
+                </a:ext>
+              </a:extLst>
+            </p:cNvPr>
+            <p:cNvSpPr/>
+            <p:nvPr/>
+          </p:nvSpPr>
+          <p:spPr>
+            <a:xfrm>
+              <a:off x="406401" y="3124200"/>
+              <a:ext cx="2040466" cy="174201"/>
+            </a:xfrm>
+            <a:prstGeom prst="rect">
+              <a:avLst/>
+            </a:prstGeom>
+            <a:noFill/>
+            <a:ln w="28575">
+              <a:solidFill>
+                <a:srgbClr val="FF0000"/>
+              </a:solidFill>
+            </a:ln>
+          </p:spPr>
+          <p:style>
+            <a:lnRef idx="2">
+              <a:schemeClr val="accent1">
+                <a:shade val="50000"/>
+              </a:schemeClr>
+            </a:lnRef>
+            <a:fillRef idx="1">
+              <a:schemeClr val="accent1"/>
+            </a:fillRef>
+            <a:effectRef idx="0">
+              <a:schemeClr val="accent1"/>
+            </a:effectRef>
+            <a:fontRef idx="minor">
+              <a:schemeClr val="lt1"/>
+            </a:fontRef>
+          </p:style>
+          <p:txBody>
+            <a:bodyPr rtlCol="0" anchor="ctr"/>
+            <a:lstStyle/>
+            <a:p>
+              <a:pPr algn="ctr"/>
+              <a:endParaRPr lang="fr-FR"/>
+            </a:p>
+          </p:txBody>
+        </p:sp>
+      </p:grpSp>
+      <p:grpSp>
+        <p:nvGrpSpPr>
+          <p:cNvPr id="15" name="Groupe 14">
+            <a:extLst>
+              <a:ext uri="{FF2B5EF4-FFF2-40B4-BE49-F238E27FC236}">
+                <a16:creationId xmlns:a16="http://schemas.microsoft.com/office/drawing/2014/main" id="{45087D6E-F6BA-4C42-8272-A2B6CD551194}"/>
+              </a:ext>
+            </a:extLst>
+          </p:cNvPr>
+          <p:cNvGrpSpPr/>
+          <p:nvPr/>
+        </p:nvGrpSpPr>
+        <p:grpSpPr>
+          <a:xfrm>
+            <a:off x="770782" y="3869185"/>
+            <a:ext cx="10650436" cy="1666542"/>
+            <a:chOff x="770782" y="3869185"/>
+            <a:chExt cx="10650436" cy="1666542"/>
+          </a:xfrm>
+        </p:grpSpPr>
+        <p:pic>
+          <p:nvPicPr>
+            <p:cNvPr id="13" name="Image 12">
+              <a:extLst>
+                <a:ext uri="{FF2B5EF4-FFF2-40B4-BE49-F238E27FC236}">
+                  <a16:creationId xmlns:a16="http://schemas.microsoft.com/office/drawing/2014/main" id="{AFE3A60A-A969-4501-B9B1-E26870753F9D}"/>
+                </a:ext>
+              </a:extLst>
+            </p:cNvPr>
+            <p:cNvPicPr>
+              <a:picLocks noChangeAspect="1"/>
+            </p:cNvPicPr>
+            <p:nvPr/>
+          </p:nvPicPr>
+          <p:blipFill rotWithShape="1">
+            <a:blip r:embed="rId3">
+              <a:extLst>
+                <a:ext uri="{28A0092B-C50C-407E-A947-70E740481C1C}">
+                  <a14:useLocalDpi xmlns:a14="http://schemas.microsoft.com/office/drawing/2010/main" val="0"/>
+                </a:ext>
+              </a:extLst>
+            </a:blip>
+            <a:srcRect b="40293"/>
+            <a:stretch/>
+          </p:blipFill>
+          <p:spPr>
+            <a:xfrm>
+              <a:off x="770782" y="3869185"/>
+              <a:ext cx="10650436" cy="1666542"/>
+            </a:xfrm>
+            <a:prstGeom prst="rect">
+              <a:avLst/>
+            </a:prstGeom>
+          </p:spPr>
+        </p:pic>
+        <p:sp>
+          <p:nvSpPr>
+            <p:cNvPr id="14" name="Rectangle 13">
+              <a:extLst>
+                <a:ext uri="{FF2B5EF4-FFF2-40B4-BE49-F238E27FC236}">
+                  <a16:creationId xmlns:a16="http://schemas.microsoft.com/office/drawing/2014/main" id="{FA99359A-6308-49D4-8229-4F379B74AAE3}"/>
+                </a:ext>
+              </a:extLst>
+            </p:cNvPr>
+            <p:cNvSpPr/>
+            <p:nvPr/>
+          </p:nvSpPr>
+          <p:spPr>
+            <a:xfrm>
+              <a:off x="872068" y="4580468"/>
+              <a:ext cx="431799" cy="287866"/>
+            </a:xfrm>
+            <a:prstGeom prst="rect">
+              <a:avLst/>
+            </a:prstGeom>
+            <a:noFill/>
+            <a:ln w="28575">
+              <a:solidFill>
+                <a:srgbClr val="FF0000"/>
+              </a:solidFill>
+            </a:ln>
+          </p:spPr>
+          <p:style>
+            <a:lnRef idx="2">
+              <a:schemeClr val="accent1">
+                <a:shade val="50000"/>
+              </a:schemeClr>
+            </a:lnRef>
+            <a:fillRef idx="1">
+              <a:schemeClr val="accent1"/>
+            </a:fillRef>
+            <a:effectRef idx="0">
+              <a:schemeClr val="accent1"/>
+            </a:effectRef>
+            <a:fontRef idx="minor">
+              <a:schemeClr val="lt1"/>
+            </a:fontRef>
+          </p:style>
+          <p:txBody>
+            <a:bodyPr rtlCol="0" anchor="ctr"/>
+            <a:lstStyle/>
+            <a:p>
+              <a:pPr algn="ctr"/>
+              <a:endParaRPr lang="fr-FR"/>
+            </a:p>
+          </p:txBody>
+        </p:sp>
+      </p:grpSp>
     </p:spTree>
     <p:extLst>
       <p:ext uri="{BB962C8B-B14F-4D97-AF65-F5344CB8AC3E}">
         <p14:creationId xmlns:p14="http://schemas.microsoft.com/office/powerpoint/2010/main" val="2852833104"/>
+      </p:ext>
+    </p:extLst>
+  </p:cSld>
+  <p:clrMapOvr>
+    <a:masterClrMapping/>
+  </p:clrMapOvr>
+</p:sld>
+</file>
+
+<file path=ppt/slides/slide3.xml><?xml version="1.0" encoding="utf-8"?>
+<p:sld xmlns:a="http://schemas.openxmlformats.org/drawingml/2006/main" xmlns:r="http://schemas.openxmlformats.org/officeDocument/2006/relationships" xmlns:p="http://schemas.openxmlformats.org/presentationml/2006/main">
+  <p:cSld>
+    <p:spTree>
+      <p:nvGrpSpPr>
+        <p:cNvPr id="1" name=""/>
+        <p:cNvGrpSpPr/>
+        <p:nvPr/>
+      </p:nvGrpSpPr>
+      <p:grpSpPr>
+        <a:xfrm>
+          <a:off x="0" y="0"/>
+          <a:ext cx="0" cy="0"/>
+          <a:chOff x="0" y="0"/>
+          <a:chExt cx="0" cy="0"/>
+        </a:xfrm>
+      </p:grpSpPr>
+      <p:grpSp>
+        <p:nvGrpSpPr>
+          <p:cNvPr id="7" name="Groupe 6">
+            <a:extLst>
+              <a:ext uri="{FF2B5EF4-FFF2-40B4-BE49-F238E27FC236}">
+                <a16:creationId xmlns:a16="http://schemas.microsoft.com/office/drawing/2014/main" id="{A830868B-A8D9-41AE-8582-0E084D4CD5D0}"/>
+              </a:ext>
+            </a:extLst>
+          </p:cNvPr>
+          <p:cNvGrpSpPr/>
+          <p:nvPr/>
+        </p:nvGrpSpPr>
+        <p:grpSpPr>
+          <a:xfrm>
+            <a:off x="1671020" y="2709762"/>
+            <a:ext cx="8849960" cy="1438476"/>
+            <a:chOff x="1671020" y="2709762"/>
+            <a:chExt cx="8849960" cy="1438476"/>
+          </a:xfrm>
+        </p:grpSpPr>
+        <p:pic>
+          <p:nvPicPr>
+            <p:cNvPr id="5" name="Image 4">
+              <a:extLst>
+                <a:ext uri="{FF2B5EF4-FFF2-40B4-BE49-F238E27FC236}">
+                  <a16:creationId xmlns:a16="http://schemas.microsoft.com/office/drawing/2014/main" id="{E1CA3905-DE1E-4706-90B7-79D9D5D3634E}"/>
+                </a:ext>
+              </a:extLst>
+            </p:cNvPr>
+            <p:cNvPicPr>
+              <a:picLocks noChangeAspect="1"/>
+            </p:cNvPicPr>
+            <p:nvPr/>
+          </p:nvPicPr>
+          <p:blipFill>
+            <a:blip r:embed="rId2">
+              <a:extLst>
+                <a:ext uri="{28A0092B-C50C-407E-A947-70E740481C1C}">
+                  <a14:useLocalDpi xmlns:a14="http://schemas.microsoft.com/office/drawing/2010/main" val="0"/>
+                </a:ext>
+              </a:extLst>
+            </a:blip>
+            <a:stretch>
+              <a:fillRect/>
+            </a:stretch>
+          </p:blipFill>
+          <p:spPr>
+            <a:xfrm>
+              <a:off x="1671020" y="2709762"/>
+              <a:ext cx="8849960" cy="1438476"/>
+            </a:xfrm>
+            <a:prstGeom prst="rect">
+              <a:avLst/>
+            </a:prstGeom>
+          </p:spPr>
+        </p:pic>
+        <p:sp>
+          <p:nvSpPr>
+            <p:cNvPr id="6" name="Rectangle 5">
+              <a:extLst>
+                <a:ext uri="{FF2B5EF4-FFF2-40B4-BE49-F238E27FC236}">
+                  <a16:creationId xmlns:a16="http://schemas.microsoft.com/office/drawing/2014/main" id="{B5AC4B60-D1B7-4E5F-9BAF-17B8A9E6F57A}"/>
+                </a:ext>
+              </a:extLst>
+            </p:cNvPr>
+            <p:cNvSpPr/>
+            <p:nvPr/>
+          </p:nvSpPr>
+          <p:spPr>
+            <a:xfrm>
+              <a:off x="1862668" y="3285067"/>
+              <a:ext cx="3869265" cy="287866"/>
+            </a:xfrm>
+            <a:prstGeom prst="rect">
+              <a:avLst/>
+            </a:prstGeom>
+            <a:noFill/>
+            <a:ln w="28575">
+              <a:solidFill>
+                <a:srgbClr val="FF0000"/>
+              </a:solidFill>
+            </a:ln>
+          </p:spPr>
+          <p:style>
+            <a:lnRef idx="2">
+              <a:schemeClr val="accent1">
+                <a:shade val="50000"/>
+              </a:schemeClr>
+            </a:lnRef>
+            <a:fillRef idx="1">
+              <a:schemeClr val="accent1"/>
+            </a:fillRef>
+            <a:effectRef idx="0">
+              <a:schemeClr val="accent1"/>
+            </a:effectRef>
+            <a:fontRef idx="minor">
+              <a:schemeClr val="lt1"/>
+            </a:fontRef>
+          </p:style>
+          <p:txBody>
+            <a:bodyPr rtlCol="0" anchor="ctr"/>
+            <a:lstStyle/>
+            <a:p>
+              <a:pPr algn="ctr"/>
+              <a:endParaRPr lang="fr-FR"/>
+            </a:p>
+          </p:txBody>
+        </p:sp>
+      </p:grpSp>
+    </p:spTree>
+    <p:extLst>
+      <p:ext uri="{BB962C8B-B14F-4D97-AF65-F5344CB8AC3E}">
+        <p14:creationId xmlns:p14="http://schemas.microsoft.com/office/powerpoint/2010/main" val="2848350415"/>
       </p:ext>
     </p:extLst>
   </p:cSld>

--- a/_site/figures.pptx
+++ b/_site/figures.pptx
@@ -5,9 +5,10 @@
     <p:sldMasterId id="2147483648" r:id="rId1"/>
   </p:sldMasterIdLst>
   <p:sldIdLst>
-    <p:sldId id="256" r:id="rId2"/>
-    <p:sldId id="257" r:id="rId3"/>
-    <p:sldId id="258" r:id="rId4"/>
+    <p:sldId id="259" r:id="rId2"/>
+    <p:sldId id="256" r:id="rId3"/>
+    <p:sldId id="257" r:id="rId4"/>
+    <p:sldId id="258" r:id="rId5"/>
   </p:sldIdLst>
   <p:sldSz cx="12192000" cy="6858000"/>
   <p:notesSz cx="6858000" cy="9144000"/>
@@ -3328,66 +3329,12 @@
           <a:chExt cx="0" cy="0"/>
         </a:xfrm>
       </p:grpSpPr>
-      <p:sp>
-        <p:nvSpPr>
-          <p:cNvPr id="5" name="Rectangle 4">
-            <a:extLst>
-              <a:ext uri="{FF2B5EF4-FFF2-40B4-BE49-F238E27FC236}">
-                <a16:creationId xmlns:a16="http://schemas.microsoft.com/office/drawing/2014/main" id="{40F55FB4-3F2D-4D16-B90D-65F3041EF2C7}"/>
-              </a:ext>
-            </a:extLst>
-          </p:cNvPr>
-          <p:cNvSpPr/>
-          <p:nvPr/>
-        </p:nvSpPr>
-        <p:spPr>
-          <a:xfrm>
-            <a:off x="3507968" y="5058000"/>
-            <a:ext cx="5400000" cy="1800000"/>
-          </a:xfrm>
-          <a:prstGeom prst="rect">
-            <a:avLst/>
-          </a:prstGeom>
-          <a:solidFill>
-            <a:schemeClr val="bg1">
-              <a:alpha val="65000"/>
-            </a:schemeClr>
-          </a:solidFill>
-          <a:ln>
-            <a:noFill/>
-          </a:ln>
-        </p:spPr>
-        <p:style>
-          <a:lnRef idx="2">
-            <a:schemeClr val="accent1">
-              <a:shade val="50000"/>
-            </a:schemeClr>
-          </a:lnRef>
-          <a:fillRef idx="1">
-            <a:schemeClr val="accent1"/>
-          </a:fillRef>
-          <a:effectRef idx="0">
-            <a:schemeClr val="accent1"/>
-          </a:effectRef>
-          <a:fontRef idx="minor">
-            <a:schemeClr val="lt1"/>
-          </a:fontRef>
-        </p:style>
-        <p:txBody>
-          <a:bodyPr rtlCol="0" anchor="ctr"/>
-          <a:lstStyle/>
-          <a:p>
-            <a:pPr algn="ctr"/>
-            <a:endParaRPr lang="fr-FR"/>
-          </a:p>
-        </p:txBody>
-      </p:sp>
       <p:grpSp>
         <p:nvGrpSpPr>
-          <p:cNvPr id="10" name="Groupe 9">
-            <a:extLst>
-              <a:ext uri="{FF2B5EF4-FFF2-40B4-BE49-F238E27FC236}">
-                <a16:creationId xmlns:a16="http://schemas.microsoft.com/office/drawing/2014/main" id="{D880FACE-8DB2-4D8D-B927-6CCD6C0D56CF}"/>
+          <p:cNvPr id="6" name="Groupe 5">
+            <a:extLst>
+              <a:ext uri="{FF2B5EF4-FFF2-40B4-BE49-F238E27FC236}">
+                <a16:creationId xmlns:a16="http://schemas.microsoft.com/office/drawing/2014/main" id="{C2B7031E-6C5F-40EF-9D85-2578B884C66F}"/>
               </a:ext>
             </a:extLst>
           </p:cNvPr>
@@ -3396,7 +3343,7 @@
         </p:nvGrpSpPr>
         <p:grpSpPr>
           <a:xfrm>
-            <a:off x="2286000" y="2711783"/>
+            <a:off x="1536659" y="4861249"/>
             <a:ext cx="6720000" cy="1262842"/>
             <a:chOff x="2286000" y="2711783"/>
             <a:chExt cx="6720000" cy="1262842"/>
@@ -3404,10 +3351,10 @@
         </p:grpSpPr>
         <p:graphicFrame>
           <p:nvGraphicFramePr>
-            <p:cNvPr id="9" name="Objet 8">
+            <p:cNvPr id="7" name="Objet 6">
               <a:extLst>
                 <a:ext uri="{FF2B5EF4-FFF2-40B4-BE49-F238E27FC236}">
-                  <a16:creationId xmlns:a16="http://schemas.microsoft.com/office/drawing/2014/main" id="{D357C9A7-282D-4893-BF18-A1AF909A0F07}"/>
+                  <a16:creationId xmlns:a16="http://schemas.microsoft.com/office/drawing/2014/main" id="{1089E659-F87A-4C4E-99E5-9C9071706967}"/>
                 </a:ext>
               </a:extLst>
             </p:cNvPr>
@@ -3417,7 +3364,7 @@
             <p:nvPr>
               <p:extLst>
                 <p:ext uri="{D42A27DB-BD31-4B8C-83A1-F6EECF244321}">
-                  <p14:modId xmlns:p14="http://schemas.microsoft.com/office/powerpoint/2010/main" val="3435725714"/>
+                  <p14:modId xmlns:p14="http://schemas.microsoft.com/office/powerpoint/2010/main" val="3437467225"/>
                 </p:ext>
               </p:extLst>
             </p:nvPr>
@@ -3430,7 +3377,7 @@
             <a:graphicData uri="http://schemas.openxmlformats.org/presentationml/2006/ole">
               <mc:AlternateContent xmlns:mc="http://schemas.openxmlformats.org/markup-compatibility/2006">
                 <mc:Choice xmlns:v="urn:schemas-microsoft-com:vml" Requires="v">
-                  <p:oleObj spid="_x0000_s1030" name="Bitmap Image" r:id="rId3" imgW="7620120" imgH="1428840" progId="PBrush">
+                  <p:oleObj spid="_x0000_s2054" name="Bitmap Image" r:id="rId3" imgW="7620120" imgH="1428840" progId="PBrush">
                     <p:embed/>
                   </p:oleObj>
                 </mc:Choice>
@@ -3439,7 +3386,13 @@
                     <p:embed/>
                     <p:pic>
                       <p:nvPicPr>
-                        <p:cNvPr id="0" name=""/>
+                        <p:cNvPr id="9" name="Objet 8">
+                          <a:extLst>
+                            <a:ext uri="{FF2B5EF4-FFF2-40B4-BE49-F238E27FC236}">
+                              <a16:creationId xmlns:a16="http://schemas.microsoft.com/office/drawing/2014/main" id="{D357C9A7-282D-4893-BF18-A1AF909A0F07}"/>
+                            </a:ext>
+                          </a:extLst>
+                        </p:cNvPr>
                         <p:cNvPicPr/>
                         <p:nvPr/>
                       </p:nvPicPr>
@@ -3467,10 +3420,10 @@
         </p:graphicFrame>
         <p:sp>
           <p:nvSpPr>
-            <p:cNvPr id="6" name="ZoneTexte 5">
+            <p:cNvPr id="8" name="ZoneTexte 7">
               <a:extLst>
                 <a:ext uri="{FF2B5EF4-FFF2-40B4-BE49-F238E27FC236}">
-                  <a16:creationId xmlns:a16="http://schemas.microsoft.com/office/drawing/2014/main" id="{DCFBB140-C239-4AA5-BACE-E192BA893089}"/>
+                  <a16:creationId xmlns:a16="http://schemas.microsoft.com/office/drawing/2014/main" id="{2B9AE921-E5AD-403E-BB38-C6FE6943D046}"/>
                 </a:ext>
               </a:extLst>
             </p:cNvPr>
@@ -3525,6 +3478,263 @@
           </p:txBody>
         </p:sp>
       </p:grpSp>
+      <p:grpSp>
+        <p:nvGrpSpPr>
+          <p:cNvPr id="24" name="Groupe 23">
+            <a:extLst>
+              <a:ext uri="{FF2B5EF4-FFF2-40B4-BE49-F238E27FC236}">
+                <a16:creationId xmlns:a16="http://schemas.microsoft.com/office/drawing/2014/main" id="{2F9F9B5B-D98E-4D7C-BA2E-0FB0F41FF760}"/>
+              </a:ext>
+            </a:extLst>
+          </p:cNvPr>
+          <p:cNvGrpSpPr/>
+          <p:nvPr/>
+        </p:nvGrpSpPr>
+        <p:grpSpPr>
+          <a:xfrm>
+            <a:off x="1250075" y="1363909"/>
+            <a:ext cx="9000000" cy="1260000"/>
+            <a:chOff x="979488" y="2194249"/>
+            <a:chExt cx="9000000" cy="1260000"/>
+          </a:xfrm>
+        </p:grpSpPr>
+        <p:graphicFrame>
+          <p:nvGraphicFramePr>
+            <p:cNvPr id="22" name="Objet 21">
+              <a:extLst>
+                <a:ext uri="{FF2B5EF4-FFF2-40B4-BE49-F238E27FC236}">
+                  <a16:creationId xmlns:a16="http://schemas.microsoft.com/office/drawing/2014/main" id="{66EDB869-9EAE-4A97-8040-7794905E566C}"/>
+                </a:ext>
+              </a:extLst>
+            </p:cNvPr>
+            <p:cNvGraphicFramePr>
+              <a:graphicFrameLocks/>
+            </p:cNvGraphicFramePr>
+            <p:nvPr>
+              <p:extLst>
+                <p:ext uri="{D42A27DB-BD31-4B8C-83A1-F6EECF244321}">
+                  <p14:modId xmlns:p14="http://schemas.microsoft.com/office/powerpoint/2010/main" val="3570470120"/>
+                </p:ext>
+              </p:extLst>
+            </p:nvPr>
+          </p:nvGraphicFramePr>
+          <p:xfrm>
+            <a:off x="979488" y="2194249"/>
+            <a:ext cx="9000000" cy="1260000"/>
+          </p:xfrm>
+          <a:graphic>
+            <a:graphicData uri="http://schemas.openxmlformats.org/presentationml/2006/ole">
+              <mc:AlternateContent xmlns:mc="http://schemas.openxmlformats.org/markup-compatibility/2006">
+                <mc:Choice xmlns:v="urn:schemas-microsoft-com:vml" Requires="v">
+                  <p:oleObj spid="_x0000_s2055" name="Bitmap Image" r:id="rId5" imgW="8744040" imgH="1295280" progId="PBrush">
+                    <p:embed/>
+                  </p:oleObj>
+                </mc:Choice>
+                <mc:Fallback>
+                  <p:oleObj name="Bitmap Image" r:id="rId5" imgW="8744040" imgH="1295280" progId="PBrush">
+                    <p:embed/>
+                    <p:pic>
+                      <p:nvPicPr>
+                        <p:cNvPr id="0" name=""/>
+                        <p:cNvPicPr/>
+                        <p:nvPr/>
+                      </p:nvPicPr>
+                      <p:blipFill>
+                        <a:blip r:embed="rId6"/>
+                        <a:stretch>
+                          <a:fillRect/>
+                        </a:stretch>
+                      </p:blipFill>
+                      <p:spPr>
+                        <a:xfrm>
+                          <a:off x="979488" y="2194249"/>
+                          <a:ext cx="9000000" cy="1260000"/>
+                        </a:xfrm>
+                        <a:prstGeom prst="rect">
+                          <a:avLst/>
+                        </a:prstGeom>
+                      </p:spPr>
+                    </p:pic>
+                  </p:oleObj>
+                </mc:Fallback>
+              </mc:AlternateContent>
+            </a:graphicData>
+          </a:graphic>
+        </p:graphicFrame>
+        <p:sp>
+          <p:nvSpPr>
+            <p:cNvPr id="23" name="ZoneTexte 22">
+              <a:extLst>
+                <a:ext uri="{FF2B5EF4-FFF2-40B4-BE49-F238E27FC236}">
+                  <a16:creationId xmlns:a16="http://schemas.microsoft.com/office/drawing/2014/main" id="{1724D20F-5860-4451-AB87-C10B9FE2B617}"/>
+                </a:ext>
+              </a:extLst>
+            </p:cNvPr>
+            <p:cNvSpPr txBox="1"/>
+            <p:nvPr/>
+          </p:nvSpPr>
+          <p:spPr>
+            <a:xfrm>
+              <a:off x="979488" y="2194249"/>
+              <a:ext cx="9000000" cy="1260000"/>
+            </a:xfrm>
+            <a:prstGeom prst="rect">
+              <a:avLst/>
+            </a:prstGeom>
+            <a:solidFill>
+              <a:schemeClr val="bg1">
+                <a:alpha val="50000"/>
+              </a:schemeClr>
+            </a:solidFill>
+          </p:spPr>
+          <p:txBody>
+            <a:bodyPr wrap="square" rtlCol="0" anchor="ctr">
+              <a:spAutoFit/>
+            </a:bodyPr>
+            <a:lstStyle/>
+            <a:p>
+              <a:pPr algn="ctr"/>
+              <a:r>
+                <a:rPr lang="fr-FR" sz="4000" b="1" dirty="0">
+                  <a:ln w="38100">
+                    <a:solidFill>
+                      <a:schemeClr val="tx1"/>
+                    </a:solidFill>
+                  </a:ln>
+                  <a:solidFill>
+                    <a:schemeClr val="bg1"/>
+                  </a:solidFill>
+                  <a:effectLst>
+                    <a:outerShdw blurRad="38100" dist="38100" dir="2700000" algn="tl">
+                      <a:srgbClr val="000000">
+                        <a:alpha val="43137"/>
+                      </a:srgbClr>
+                    </a:outerShdw>
+                  </a:effectLst>
+                  <a:latin typeface="Segoe UI Black" panose="020B0A02040204020203" pitchFamily="34" charset="0"/>
+                  <a:ea typeface="Segoe UI Black" panose="020B0A02040204020203" pitchFamily="34" charset="0"/>
+                  <a:cs typeface="Segoe UI Light" panose="020B0502040204020203" pitchFamily="34" charset="0"/>
+                </a:rPr>
+                <a:t>INSTALLER R ET RSTUDIO</a:t>
+              </a:r>
+            </a:p>
+          </p:txBody>
+        </p:sp>
+      </p:grpSp>
+    </p:spTree>
+    <p:extLst>
+      <p:ext uri="{BB962C8B-B14F-4D97-AF65-F5344CB8AC3E}">
+        <p14:creationId xmlns:p14="http://schemas.microsoft.com/office/powerpoint/2010/main" val="1577454238"/>
+      </p:ext>
+    </p:extLst>
+  </p:cSld>
+  <p:clrMapOvr>
+    <a:masterClrMapping/>
+  </p:clrMapOvr>
+</p:sld>
+</file>
+
+<file path=ppt/slides/slide2.xml><?xml version="1.0" encoding="utf-8"?>
+<p:sld xmlns:a="http://schemas.openxmlformats.org/drawingml/2006/main" xmlns:r="http://schemas.openxmlformats.org/officeDocument/2006/relationships" xmlns:p="http://schemas.openxmlformats.org/presentationml/2006/main">
+  <p:cSld>
+    <p:spTree>
+      <p:nvGrpSpPr>
+        <p:cNvPr id="1" name=""/>
+        <p:cNvGrpSpPr/>
+        <p:nvPr/>
+      </p:nvGrpSpPr>
+      <p:grpSpPr>
+        <a:xfrm>
+          <a:off x="0" y="0"/>
+          <a:ext cx="0" cy="0"/>
+          <a:chOff x="0" y="0"/>
+          <a:chExt cx="0" cy="0"/>
+        </a:xfrm>
+      </p:grpSpPr>
+      <p:sp>
+        <p:nvSpPr>
+          <p:cNvPr id="5" name="Rectangle 4">
+            <a:extLst>
+              <a:ext uri="{FF2B5EF4-FFF2-40B4-BE49-F238E27FC236}">
+                <a16:creationId xmlns:a16="http://schemas.microsoft.com/office/drawing/2014/main" id="{40F55FB4-3F2D-4D16-B90D-65F3041EF2C7}"/>
+              </a:ext>
+            </a:extLst>
+          </p:cNvPr>
+          <p:cNvSpPr/>
+          <p:nvPr/>
+        </p:nvSpPr>
+        <p:spPr>
+          <a:xfrm>
+            <a:off x="3507968" y="5058000"/>
+            <a:ext cx="5400000" cy="1800000"/>
+          </a:xfrm>
+          <a:prstGeom prst="rect">
+            <a:avLst/>
+          </a:prstGeom>
+          <a:solidFill>
+            <a:schemeClr val="bg1">
+              <a:alpha val="65000"/>
+            </a:schemeClr>
+          </a:solidFill>
+          <a:ln>
+            <a:noFill/>
+          </a:ln>
+        </p:spPr>
+        <p:style>
+          <a:lnRef idx="2">
+            <a:schemeClr val="accent1">
+              <a:shade val="50000"/>
+            </a:schemeClr>
+          </a:lnRef>
+          <a:fillRef idx="1">
+            <a:schemeClr val="accent1"/>
+          </a:fillRef>
+          <a:effectRef idx="0">
+            <a:schemeClr val="accent1"/>
+          </a:effectRef>
+          <a:fontRef idx="minor">
+            <a:schemeClr val="lt1"/>
+          </a:fontRef>
+        </p:style>
+        <p:txBody>
+          <a:bodyPr rtlCol="0" anchor="ctr"/>
+          <a:lstStyle/>
+          <a:p>
+            <a:pPr algn="ctr"/>
+            <a:endParaRPr lang="fr-FR"/>
+          </a:p>
+        </p:txBody>
+      </p:sp>
+      <p:pic>
+        <p:nvPicPr>
+          <p:cNvPr id="3" name="Image 2">
+            <a:extLst>
+              <a:ext uri="{FF2B5EF4-FFF2-40B4-BE49-F238E27FC236}">
+                <a16:creationId xmlns:a16="http://schemas.microsoft.com/office/drawing/2014/main" id="{1DCFAE27-9C6A-4E55-B034-21EF316E2B3B}"/>
+              </a:ext>
+            </a:extLst>
+          </p:cNvPr>
+          <p:cNvPicPr>
+            <a:picLocks noChangeAspect="1"/>
+          </p:cNvPicPr>
+          <p:nvPr/>
+        </p:nvPicPr>
+        <p:blipFill>
+          <a:blip r:embed="rId2"/>
+          <a:stretch>
+            <a:fillRect/>
+          </a:stretch>
+        </p:blipFill>
+        <p:spPr>
+          <a:xfrm>
+            <a:off x="1478574" y="2173115"/>
+            <a:ext cx="8998476" cy="1255885"/>
+          </a:xfrm>
+          <a:prstGeom prst="rect">
+            <a:avLst/>
+          </a:prstGeom>
+        </p:spPr>
+      </p:pic>
     </p:spTree>
     <p:extLst>
       <p:ext uri="{BB962C8B-B14F-4D97-AF65-F5344CB8AC3E}">
@@ -3538,7 +3748,7 @@
 </p:sld>
 </file>
 
-<file path=ppt/slides/slide2.xml><?xml version="1.0" encoding="utf-8"?>
+<file path=ppt/slides/slide3.xml><?xml version="1.0" encoding="utf-8"?>
 <p:sld xmlns:a="http://schemas.openxmlformats.org/drawingml/2006/main" xmlns:r="http://schemas.openxmlformats.org/officeDocument/2006/relationships" xmlns:p="http://schemas.openxmlformats.org/presentationml/2006/main">
   <p:cSld>
     <p:spTree>
@@ -3785,7 +3995,7 @@
 </p:sld>
 </file>
 
-<file path=ppt/slides/slide3.xml><?xml version="1.0" encoding="utf-8"?>
+<file path=ppt/slides/slide4.xml><?xml version="1.0" encoding="utf-8"?>
 <p:sld xmlns:a="http://schemas.openxmlformats.org/drawingml/2006/main" xmlns:r="http://schemas.openxmlformats.org/officeDocument/2006/relationships" xmlns:p="http://schemas.openxmlformats.org/presentationml/2006/main">
   <p:cSld>
     <p:spTree>

--- a/_site/figures.pptx
+++ b/_site/figures.pptx
@@ -3377,7 +3377,7 @@
             <a:graphicData uri="http://schemas.openxmlformats.org/presentationml/2006/ole">
               <mc:AlternateContent xmlns:mc="http://schemas.openxmlformats.org/markup-compatibility/2006">
                 <mc:Choice xmlns:v="urn:schemas-microsoft-com:vml" Requires="v">
-                  <p:oleObj spid="_x0000_s2054" name="Bitmap Image" r:id="rId3" imgW="7620120" imgH="1428840" progId="PBrush">
+                  <p:oleObj spid="_x0000_s2058" name="Bitmap Image" r:id="rId3" imgW="7620120" imgH="1428840" progId="PBrush">
                     <p:embed/>
                   </p:oleObj>
                 </mc:Choice>
@@ -3526,7 +3526,7 @@
             <a:graphicData uri="http://schemas.openxmlformats.org/presentationml/2006/ole">
               <mc:AlternateContent xmlns:mc="http://schemas.openxmlformats.org/markup-compatibility/2006">
                 <mc:Choice xmlns:v="urn:schemas-microsoft-com:vml" Requires="v">
-                  <p:oleObj spid="_x0000_s2055" name="Bitmap Image" r:id="rId5" imgW="8744040" imgH="1295280" progId="PBrush">
+                  <p:oleObj spid="_x0000_s2059" name="Bitmap Image" r:id="rId5" imgW="8744040" imgH="1295280" progId="PBrush">
                     <p:embed/>
                   </p:oleObj>
                 </mc:Choice>
@@ -4014,10 +4014,10 @@
       </p:grpSpPr>
       <p:grpSp>
         <p:nvGrpSpPr>
-          <p:cNvPr id="7" name="Groupe 6">
-            <a:extLst>
-              <a:ext uri="{FF2B5EF4-FFF2-40B4-BE49-F238E27FC236}">
-                <a16:creationId xmlns:a16="http://schemas.microsoft.com/office/drawing/2014/main" id="{A830868B-A8D9-41AE-8582-0E084D4CD5D0}"/>
+          <p:cNvPr id="11" name="Groupe 10">
+            <a:extLst>
+              <a:ext uri="{FF2B5EF4-FFF2-40B4-BE49-F238E27FC236}">
+                <a16:creationId xmlns:a16="http://schemas.microsoft.com/office/drawing/2014/main" id="{5FE10447-8BBD-42C8-803E-E634E57BB9B5}"/>
               </a:ext>
             </a:extLst>
           </p:cNvPr>
@@ -4026,18 +4026,18 @@
         </p:nvGrpSpPr>
         <p:grpSpPr>
           <a:xfrm>
-            <a:off x="1671020" y="2709762"/>
-            <a:ext cx="8849960" cy="1438476"/>
-            <a:chOff x="1671020" y="2709762"/>
-            <a:chExt cx="8849960" cy="1438476"/>
+            <a:off x="256360" y="161084"/>
+            <a:ext cx="11679280" cy="2615984"/>
+            <a:chOff x="256360" y="1185550"/>
+            <a:chExt cx="11679280" cy="2615984"/>
           </a:xfrm>
         </p:grpSpPr>
         <p:pic>
           <p:nvPicPr>
-            <p:cNvPr id="5" name="Image 4">
+            <p:cNvPr id="8" name="Image 7">
               <a:extLst>
                 <a:ext uri="{FF2B5EF4-FFF2-40B4-BE49-F238E27FC236}">
-                  <a16:creationId xmlns:a16="http://schemas.microsoft.com/office/drawing/2014/main" id="{E1CA3905-DE1E-4706-90B7-79D9D5D3634E}"/>
+                  <a16:creationId xmlns:a16="http://schemas.microsoft.com/office/drawing/2014/main" id="{959BBBC4-ADCE-4A93-9A76-85641A177847}"/>
                 </a:ext>
               </a:extLst>
             </p:cNvPr>
@@ -4046,7 +4046,7 @@
             </p:cNvPicPr>
             <p:nvPr/>
           </p:nvPicPr>
-          <p:blipFill>
+          <p:blipFill rotWithShape="1">
             <a:blip r:embed="rId2">
               <a:extLst>
                 <a:ext uri="{28A0092B-C50C-407E-A947-70E740481C1C}">
@@ -4054,14 +4054,13 @@
                 </a:ext>
               </a:extLst>
             </a:blip>
-            <a:stretch>
-              <a:fillRect/>
-            </a:stretch>
+            <a:srcRect b="41697"/>
+            <a:stretch/>
           </p:blipFill>
           <p:spPr>
             <a:xfrm>
-              <a:off x="1671020" y="2709762"/>
-              <a:ext cx="8849960" cy="1438476"/>
+              <a:off x="256360" y="1185550"/>
+              <a:ext cx="11679280" cy="2615984"/>
             </a:xfrm>
             <a:prstGeom prst="rect">
               <a:avLst/>
@@ -4070,10 +4069,10 @@
         </p:pic>
         <p:sp>
           <p:nvSpPr>
-            <p:cNvPr id="6" name="Rectangle 5">
+            <p:cNvPr id="9" name="Rectangle 8">
               <a:extLst>
                 <a:ext uri="{FF2B5EF4-FFF2-40B4-BE49-F238E27FC236}">
-                  <a16:creationId xmlns:a16="http://schemas.microsoft.com/office/drawing/2014/main" id="{B5AC4B60-D1B7-4E5F-9BAF-17B8A9E6F57A}"/>
+                  <a16:creationId xmlns:a16="http://schemas.microsoft.com/office/drawing/2014/main" id="{5C2AEEF8-B79F-45C1-BA4E-2C8FBEDFDB08}"/>
                 </a:ext>
               </a:extLst>
             </p:cNvPr>
@@ -4082,8 +4081,60 @@
           </p:nvSpPr>
           <p:spPr>
             <a:xfrm>
-              <a:off x="1862668" y="3285067"/>
-              <a:ext cx="3869265" cy="287866"/>
+              <a:off x="4470401" y="1608668"/>
+              <a:ext cx="1015999" cy="287866"/>
+            </a:xfrm>
+            <a:prstGeom prst="rect">
+              <a:avLst/>
+            </a:prstGeom>
+            <a:noFill/>
+            <a:ln w="28575">
+              <a:solidFill>
+                <a:srgbClr val="FF0000"/>
+              </a:solidFill>
+            </a:ln>
+          </p:spPr>
+          <p:style>
+            <a:lnRef idx="2">
+              <a:schemeClr val="accent1">
+                <a:shade val="50000"/>
+              </a:schemeClr>
+            </a:lnRef>
+            <a:fillRef idx="1">
+              <a:schemeClr val="accent1"/>
+            </a:fillRef>
+            <a:effectRef idx="0">
+              <a:schemeClr val="accent1"/>
+            </a:effectRef>
+            <a:fontRef idx="minor">
+              <a:schemeClr val="lt1"/>
+            </a:fontRef>
+          </p:style>
+          <p:txBody>
+            <a:bodyPr rtlCol="0" anchor="ctr"/>
+            <a:lstStyle/>
+            <a:p>
+              <a:pPr algn="ctr"/>
+              <a:endParaRPr lang="fr-FR"/>
+            </a:p>
+          </p:txBody>
+        </p:sp>
+        <p:sp>
+          <p:nvSpPr>
+            <p:cNvPr id="10" name="Rectangle 9">
+              <a:extLst>
+                <a:ext uri="{FF2B5EF4-FFF2-40B4-BE49-F238E27FC236}">
+                  <a16:creationId xmlns:a16="http://schemas.microsoft.com/office/drawing/2014/main" id="{10888F3C-52F9-49A5-B6AB-5233DC2BD2E0}"/>
+                </a:ext>
+              </a:extLst>
+            </p:cNvPr>
+            <p:cNvSpPr/>
+            <p:nvPr/>
+          </p:nvSpPr>
+          <p:spPr>
+            <a:xfrm>
+              <a:off x="1905001" y="2929467"/>
+              <a:ext cx="3005666" cy="541866"/>
             </a:xfrm>
             <a:prstGeom prst="rect">
               <a:avLst/>
@@ -4121,6 +4172,94 @@
           </p:txBody>
         </p:sp>
       </p:grpSp>
+      <p:sp>
+        <p:nvSpPr>
+          <p:cNvPr id="14" name="Rectangle 13">
+            <a:extLst>
+              <a:ext uri="{FF2B5EF4-FFF2-40B4-BE49-F238E27FC236}">
+                <a16:creationId xmlns:a16="http://schemas.microsoft.com/office/drawing/2014/main" id="{FCA477FB-A283-4B88-A8B8-ED16E68476EF}"/>
+              </a:ext>
+            </a:extLst>
+          </p:cNvPr>
+          <p:cNvSpPr/>
+          <p:nvPr/>
+        </p:nvSpPr>
+        <p:spPr>
+          <a:xfrm>
+            <a:off x="1100666" y="5557711"/>
+            <a:ext cx="3649133" cy="665290"/>
+          </a:xfrm>
+          <a:prstGeom prst="rect">
+            <a:avLst/>
+          </a:prstGeom>
+          <a:noFill/>
+          <a:ln w="28575">
+            <a:solidFill>
+              <a:srgbClr val="FF0000"/>
+            </a:solidFill>
+          </a:ln>
+        </p:spPr>
+        <p:style>
+          <a:lnRef idx="2">
+            <a:schemeClr val="accent1">
+              <a:shade val="50000"/>
+            </a:schemeClr>
+          </a:lnRef>
+          <a:fillRef idx="1">
+            <a:schemeClr val="accent1"/>
+          </a:fillRef>
+          <a:effectRef idx="0">
+            <a:schemeClr val="accent1"/>
+          </a:effectRef>
+          <a:fontRef idx="minor">
+            <a:schemeClr val="lt1"/>
+          </a:fontRef>
+        </p:style>
+        <p:txBody>
+          <a:bodyPr rtlCol="0" anchor="ctr"/>
+          <a:lstStyle/>
+          <a:p>
+            <a:pPr algn="ctr"/>
+            <a:endParaRPr lang="fr-FR"/>
+          </a:p>
+        </p:txBody>
+      </p:sp>
+      <p:pic>
+        <p:nvPicPr>
+          <p:cNvPr id="27" name="Image 26">
+            <a:extLst>
+              <a:ext uri="{FF2B5EF4-FFF2-40B4-BE49-F238E27FC236}">
+                <a16:creationId xmlns:a16="http://schemas.microsoft.com/office/drawing/2014/main" id="{C60A9511-CAB7-4238-8820-DF80611135A1}"/>
+              </a:ext>
+            </a:extLst>
+          </p:cNvPr>
+          <p:cNvPicPr>
+            <a:picLocks noChangeAspect="1"/>
+          </p:cNvPicPr>
+          <p:nvPr/>
+        </p:nvPicPr>
+        <p:blipFill>
+          <a:blip r:embed="rId3">
+            <a:extLst>
+              <a:ext uri="{28A0092B-C50C-407E-A947-70E740481C1C}">
+                <a14:useLocalDpi xmlns:a14="http://schemas.microsoft.com/office/drawing/2010/main" val="0"/>
+              </a:ext>
+            </a:extLst>
+          </a:blip>
+          <a:stretch>
+            <a:fillRect/>
+          </a:stretch>
+        </p:blipFill>
+        <p:spPr>
+          <a:xfrm>
+            <a:off x="1309789" y="3864426"/>
+            <a:ext cx="6134956" cy="1152686"/>
+          </a:xfrm>
+          <a:prstGeom prst="rect">
+            <a:avLst/>
+          </a:prstGeom>
+        </p:spPr>
+      </p:pic>
     </p:spTree>
     <p:extLst>
       <p:ext uri="{BB962C8B-B14F-4D97-AF65-F5344CB8AC3E}">
